--- a/trash/PPT.pptx
+++ b/trash/PPT.pptx
@@ -112,6 +112,11 @@
       </a:defRPr>
     </a:lvl9pPr>
   </p:defaultTextStyle>
+  <p:extLst>
+    <p:ext uri="{EFAFB233-063F-42B5-8137-9DF3F51BA10A}">
+      <p15:sldGuideLst xmlns:p15="http://schemas.microsoft.com/office/powerpoint/2012/main"/>
+    </p:ext>
+  </p:extLst>
 </p:presentation>
 </file>
 
@@ -270,7 +275,7 @@
           <a:p>
             <a:fld id="{404014F6-34A4-794D-A214-BCB6971FBF8E}" type="datetimeFigureOut">
               <a:rPr lang="en-NP" smtClean="0"/>
-              <a:t>16/02/2022</a:t>
+              <a:t>17/02/2022</a:t>
             </a:fld>
             <a:endParaRPr lang="en-NP" dirty="0"/>
           </a:p>
@@ -470,7 +475,7 @@
           <a:p>
             <a:fld id="{404014F6-34A4-794D-A214-BCB6971FBF8E}" type="datetimeFigureOut">
               <a:rPr lang="en-NP" smtClean="0"/>
-              <a:t>16/02/2022</a:t>
+              <a:t>17/02/2022</a:t>
             </a:fld>
             <a:endParaRPr lang="en-NP"/>
           </a:p>
@@ -680,7 +685,7 @@
           <a:p>
             <a:fld id="{404014F6-34A4-794D-A214-BCB6971FBF8E}" type="datetimeFigureOut">
               <a:rPr lang="en-NP" smtClean="0"/>
-              <a:t>16/02/2022</a:t>
+              <a:t>17/02/2022</a:t>
             </a:fld>
             <a:endParaRPr lang="en-NP"/>
           </a:p>
@@ -900,7 +905,7 @@
           <a:p>
             <a:fld id="{404014F6-34A4-794D-A214-BCB6971FBF8E}" type="datetimeFigureOut">
               <a:rPr lang="en-NP" smtClean="0"/>
-              <a:t>16/02/2022</a:t>
+              <a:t>17/02/2022</a:t>
             </a:fld>
             <a:endParaRPr lang="en-NP"/>
           </a:p>
@@ -1176,7 +1181,7 @@
           <a:p>
             <a:fld id="{404014F6-34A4-794D-A214-BCB6971FBF8E}" type="datetimeFigureOut">
               <a:rPr lang="en-NP" smtClean="0"/>
-              <a:t>16/02/2022</a:t>
+              <a:t>17/02/2022</a:t>
             </a:fld>
             <a:endParaRPr lang="en-NP"/>
           </a:p>
@@ -1444,7 +1449,7 @@
           <a:p>
             <a:fld id="{404014F6-34A4-794D-A214-BCB6971FBF8E}" type="datetimeFigureOut">
               <a:rPr lang="en-NP" smtClean="0"/>
-              <a:t>16/02/2022</a:t>
+              <a:t>17/02/2022</a:t>
             </a:fld>
             <a:endParaRPr lang="en-NP"/>
           </a:p>
@@ -1859,7 +1864,7 @@
           <a:p>
             <a:fld id="{404014F6-34A4-794D-A214-BCB6971FBF8E}" type="datetimeFigureOut">
               <a:rPr lang="en-NP" smtClean="0"/>
-              <a:t>16/02/2022</a:t>
+              <a:t>17/02/2022</a:t>
             </a:fld>
             <a:endParaRPr lang="en-NP"/>
           </a:p>
@@ -2001,7 +2006,7 @@
           <a:p>
             <a:fld id="{404014F6-34A4-794D-A214-BCB6971FBF8E}" type="datetimeFigureOut">
               <a:rPr lang="en-NP" smtClean="0"/>
-              <a:t>16/02/2022</a:t>
+              <a:t>17/02/2022</a:t>
             </a:fld>
             <a:endParaRPr lang="en-NP"/>
           </a:p>
@@ -2114,7 +2119,7 @@
           <a:p>
             <a:fld id="{404014F6-34A4-794D-A214-BCB6971FBF8E}" type="datetimeFigureOut">
               <a:rPr lang="en-NP" smtClean="0"/>
-              <a:t>16/02/2022</a:t>
+              <a:t>17/02/2022</a:t>
             </a:fld>
             <a:endParaRPr lang="en-NP"/>
           </a:p>
@@ -2427,7 +2432,7 @@
           <a:p>
             <a:fld id="{404014F6-34A4-794D-A214-BCB6971FBF8E}" type="datetimeFigureOut">
               <a:rPr lang="en-NP" smtClean="0"/>
-              <a:t>16/02/2022</a:t>
+              <a:t>17/02/2022</a:t>
             </a:fld>
             <a:endParaRPr lang="en-NP"/>
           </a:p>
@@ -2716,7 +2721,7 @@
           <a:p>
             <a:fld id="{404014F6-34A4-794D-A214-BCB6971FBF8E}" type="datetimeFigureOut">
               <a:rPr lang="en-NP" smtClean="0"/>
-              <a:t>16/02/2022</a:t>
+              <a:t>17/02/2022</a:t>
             </a:fld>
             <a:endParaRPr lang="en-NP"/>
           </a:p>
@@ -2959,7 +2964,7 @@
           <a:p>
             <a:fld id="{404014F6-34A4-794D-A214-BCB6971FBF8E}" type="datetimeFigureOut">
               <a:rPr lang="en-NP" smtClean="0"/>
-              <a:t>16/02/2022</a:t>
+              <a:t>17/02/2022</a:t>
             </a:fld>
             <a:endParaRPr lang="en-NP" dirty="0"/>
           </a:p>
@@ -3524,6 +3529,9 @@
             <a:endParaRPr lang="en-NP" dirty="0"/>
           </a:p>
           <a:p>
+            <a:pPr marL="0" indent="0">
+              <a:buNone/>
+            </a:pPr>
             <a:r>
               <a:rPr lang="en-US" dirty="0"/>
               <a:t> </a:t>
@@ -3550,7 +3558,7 @@
             </a:r>
             <a:r>
               <a:rPr lang="en-US" dirty="0"/>
-              <a:t> A librarian should be able to insert the record of the books. To insert the record the librarian should note the Name of the students, Student ID, Book Id etc. It helps to reduce the misplacing of books. It helps to make the work of the librarian can run the library easily and effectively.</a:t>
+              <a:t> A librarian should be able to insert the record of the books. To insert the record the librarian should note the Name of the students, Student ID, Book Id etc. It helps to reduce the misplacing of books. It helps  the librarian to run the library easily and effectively.</a:t>
             </a:r>
             <a:endParaRPr lang="en-NP" dirty="0"/>
           </a:p>
@@ -3855,10 +3863,9 @@
             <a:endParaRPr lang="en-NP" dirty="0"/>
           </a:p>
           <a:p>
-            <a:r>
-              <a:rPr lang="en-US" dirty="0"/>
-              <a:t> </a:t>
-            </a:r>
+            <a:pPr marL="0" indent="0">
+              <a:buNone/>
+            </a:pPr>
             <a:endParaRPr lang="en-NP" dirty="0"/>
           </a:p>
           <a:p>
@@ -4622,6 +4629,70 @@
           </p:style>
         </p:cxnSp>
       </p:grpSp>
+      <p:sp>
+        <p:nvSpPr>
+          <p:cNvPr id="3" name="TextBox 2">
+            <a:extLst>
+              <a:ext uri="{FF2B5EF4-FFF2-40B4-BE49-F238E27FC236}">
+                <a16:creationId xmlns:a16="http://schemas.microsoft.com/office/drawing/2014/main" id="{23D939A3-D211-8E44-868A-D327BF8DBB85}"/>
+              </a:ext>
+            </a:extLst>
+          </p:cNvPr>
+          <p:cNvSpPr txBox="1"/>
+          <p:nvPr/>
+        </p:nvSpPr>
+        <p:spPr>
+          <a:xfrm>
+            <a:off x="2825262" y="4372708"/>
+            <a:ext cx="184731" cy="369332"/>
+          </a:xfrm>
+          <a:prstGeom prst="rect">
+            <a:avLst/>
+          </a:prstGeom>
+          <a:noFill/>
+        </p:spPr>
+        <p:txBody>
+          <a:bodyPr wrap="none" rtlCol="0">
+            <a:spAutoFit/>
+          </a:bodyPr>
+          <a:lstStyle/>
+          <a:p>
+            <a:endParaRPr lang="en-NP" dirty="0"/>
+          </a:p>
+        </p:txBody>
+      </p:sp>
+      <p:sp>
+        <p:nvSpPr>
+          <p:cNvPr id="4" name="TextBox 3">
+            <a:extLst>
+              <a:ext uri="{FF2B5EF4-FFF2-40B4-BE49-F238E27FC236}">
+                <a16:creationId xmlns:a16="http://schemas.microsoft.com/office/drawing/2014/main" id="{CFDD3668-A760-DF46-90EA-55CD65FDC018}"/>
+              </a:ext>
+            </a:extLst>
+          </p:cNvPr>
+          <p:cNvSpPr txBox="1"/>
+          <p:nvPr/>
+        </p:nvSpPr>
+        <p:spPr>
+          <a:xfrm>
+            <a:off x="2766646" y="3575538"/>
+            <a:ext cx="184731" cy="369332"/>
+          </a:xfrm>
+          <a:prstGeom prst="rect">
+            <a:avLst/>
+          </a:prstGeom>
+          <a:noFill/>
+        </p:spPr>
+        <p:txBody>
+          <a:bodyPr wrap="none" rtlCol="0">
+            <a:spAutoFit/>
+          </a:bodyPr>
+          <a:lstStyle/>
+          <a:p>
+            <a:endParaRPr lang="en-NP" dirty="0"/>
+          </a:p>
+        </p:txBody>
+      </p:sp>
     </p:spTree>
     <p:extLst>
       <p:ext uri="{BB962C8B-B14F-4D97-AF65-F5344CB8AC3E}">
